--- a/recommendation/作图.pptx
+++ b/recommendation/作图.pptx
@@ -276,7 +276,7 @@
           <a:p>
             <a:fld id="{20047D61-FD0D-41CB-AACD-EAECAEB2D6DA}" type="datetimeFigureOut">
               <a:rPr lang="zh-CN" altLang="en-US" smtClean="0"/>
-              <a:t>2020/5/12</a:t>
+              <a:t>2020/5/18</a:t>
             </a:fld>
             <a:endParaRPr lang="zh-CN" altLang="en-US"/>
           </a:p>
@@ -474,7 +474,7 @@
           <a:p>
             <a:fld id="{20047D61-FD0D-41CB-AACD-EAECAEB2D6DA}" type="datetimeFigureOut">
               <a:rPr lang="zh-CN" altLang="en-US" smtClean="0"/>
-              <a:t>2020/5/12</a:t>
+              <a:t>2020/5/18</a:t>
             </a:fld>
             <a:endParaRPr lang="zh-CN" altLang="en-US"/>
           </a:p>
@@ -682,7 +682,7 @@
           <a:p>
             <a:fld id="{20047D61-FD0D-41CB-AACD-EAECAEB2D6DA}" type="datetimeFigureOut">
               <a:rPr lang="zh-CN" altLang="en-US" smtClean="0"/>
-              <a:t>2020/5/12</a:t>
+              <a:t>2020/5/18</a:t>
             </a:fld>
             <a:endParaRPr lang="zh-CN" altLang="en-US"/>
           </a:p>
@@ -880,7 +880,7 @@
           <a:p>
             <a:fld id="{20047D61-FD0D-41CB-AACD-EAECAEB2D6DA}" type="datetimeFigureOut">
               <a:rPr lang="zh-CN" altLang="en-US" smtClean="0"/>
-              <a:t>2020/5/12</a:t>
+              <a:t>2020/5/18</a:t>
             </a:fld>
             <a:endParaRPr lang="zh-CN" altLang="en-US"/>
           </a:p>
@@ -1155,7 +1155,7 @@
           <a:p>
             <a:fld id="{20047D61-FD0D-41CB-AACD-EAECAEB2D6DA}" type="datetimeFigureOut">
               <a:rPr lang="zh-CN" altLang="en-US" smtClean="0"/>
-              <a:t>2020/5/12</a:t>
+              <a:t>2020/5/18</a:t>
             </a:fld>
             <a:endParaRPr lang="zh-CN" altLang="en-US"/>
           </a:p>
@@ -1420,7 +1420,7 @@
           <a:p>
             <a:fld id="{20047D61-FD0D-41CB-AACD-EAECAEB2D6DA}" type="datetimeFigureOut">
               <a:rPr lang="zh-CN" altLang="en-US" smtClean="0"/>
-              <a:t>2020/5/12</a:t>
+              <a:t>2020/5/18</a:t>
             </a:fld>
             <a:endParaRPr lang="zh-CN" altLang="en-US"/>
           </a:p>
@@ -1832,7 +1832,7 @@
           <a:p>
             <a:fld id="{20047D61-FD0D-41CB-AACD-EAECAEB2D6DA}" type="datetimeFigureOut">
               <a:rPr lang="zh-CN" altLang="en-US" smtClean="0"/>
-              <a:t>2020/5/12</a:t>
+              <a:t>2020/5/18</a:t>
             </a:fld>
             <a:endParaRPr lang="zh-CN" altLang="en-US"/>
           </a:p>
@@ -1973,7 +1973,7 @@
           <a:p>
             <a:fld id="{20047D61-FD0D-41CB-AACD-EAECAEB2D6DA}" type="datetimeFigureOut">
               <a:rPr lang="zh-CN" altLang="en-US" smtClean="0"/>
-              <a:t>2020/5/12</a:t>
+              <a:t>2020/5/18</a:t>
             </a:fld>
             <a:endParaRPr lang="zh-CN" altLang="en-US"/>
           </a:p>
@@ -2086,7 +2086,7 @@
           <a:p>
             <a:fld id="{20047D61-FD0D-41CB-AACD-EAECAEB2D6DA}" type="datetimeFigureOut">
               <a:rPr lang="zh-CN" altLang="en-US" smtClean="0"/>
-              <a:t>2020/5/12</a:t>
+              <a:t>2020/5/18</a:t>
             </a:fld>
             <a:endParaRPr lang="zh-CN" altLang="en-US"/>
           </a:p>
@@ -2397,7 +2397,7 @@
           <a:p>
             <a:fld id="{20047D61-FD0D-41CB-AACD-EAECAEB2D6DA}" type="datetimeFigureOut">
               <a:rPr lang="zh-CN" altLang="en-US" smtClean="0"/>
-              <a:t>2020/5/12</a:t>
+              <a:t>2020/5/18</a:t>
             </a:fld>
             <a:endParaRPr lang="zh-CN" altLang="en-US"/>
           </a:p>
@@ -2685,7 +2685,7 @@
           <a:p>
             <a:fld id="{20047D61-FD0D-41CB-AACD-EAECAEB2D6DA}" type="datetimeFigureOut">
               <a:rPr lang="zh-CN" altLang="en-US" smtClean="0"/>
-              <a:t>2020/5/12</a:t>
+              <a:t>2020/5/18</a:t>
             </a:fld>
             <a:endParaRPr lang="zh-CN" altLang="en-US"/>
           </a:p>
@@ -2926,7 +2926,7 @@
           <a:p>
             <a:fld id="{20047D61-FD0D-41CB-AACD-EAECAEB2D6DA}" type="datetimeFigureOut">
               <a:rPr lang="zh-CN" altLang="en-US" smtClean="0"/>
-              <a:t>2020/5/12</a:t>
+              <a:t>2020/5/18</a:t>
             </a:fld>
             <a:endParaRPr lang="zh-CN" altLang="en-US"/>
           </a:p>
@@ -7395,6 +7395,724 @@
           <a:chExt cx="0" cy="0"/>
         </a:xfrm>
       </p:grpSpPr>
+      <p:grpSp>
+        <p:nvGrpSpPr>
+          <p:cNvPr id="25" name="组合 24">
+            <a:extLst>
+              <a:ext uri="{FF2B5EF4-FFF2-40B4-BE49-F238E27FC236}">
+                <a16:creationId xmlns:a16="http://schemas.microsoft.com/office/drawing/2014/main" id="{6F9D474F-315A-4DAC-A062-A1292CD68C0B}"/>
+              </a:ext>
+            </a:extLst>
+          </p:cNvPr>
+          <p:cNvGrpSpPr/>
+          <p:nvPr/>
+        </p:nvGrpSpPr>
+        <p:grpSpPr>
+          <a:xfrm>
+            <a:off x="1979722" y="1892423"/>
+            <a:ext cx="5524870" cy="2269723"/>
+            <a:chOff x="1979722" y="1892423"/>
+            <a:chExt cx="5524870" cy="2269723"/>
+          </a:xfrm>
+        </p:grpSpPr>
+        <p:sp>
+          <p:nvSpPr>
+            <p:cNvPr id="2" name="矩形 1">
+              <a:extLst>
+                <a:ext uri="{FF2B5EF4-FFF2-40B4-BE49-F238E27FC236}">
+                  <a16:creationId xmlns:a16="http://schemas.microsoft.com/office/drawing/2014/main" id="{C1C955E1-C51C-40EA-9EF6-EF826BA55BEF}"/>
+                </a:ext>
+              </a:extLst>
+            </p:cNvPr>
+            <p:cNvSpPr/>
+            <p:nvPr/>
+          </p:nvSpPr>
+          <p:spPr>
+            <a:xfrm>
+              <a:off x="1979722" y="2805344"/>
+              <a:ext cx="1136342" cy="443883"/>
+            </a:xfrm>
+            <a:prstGeom prst="rect">
+              <a:avLst/>
+            </a:prstGeom>
+          </p:spPr>
+          <p:style>
+            <a:lnRef idx="2">
+              <a:schemeClr val="dk1"/>
+            </a:lnRef>
+            <a:fillRef idx="1">
+              <a:schemeClr val="lt1"/>
+            </a:fillRef>
+            <a:effectRef idx="0">
+              <a:schemeClr val="dk1"/>
+            </a:effectRef>
+            <a:fontRef idx="minor">
+              <a:schemeClr val="dk1"/>
+            </a:fontRef>
+          </p:style>
+          <p:txBody>
+            <a:bodyPr rtlCol="0" anchor="ctr"/>
+            <a:lstStyle/>
+            <a:p>
+              <a:pPr algn="ctr"/>
+              <a:r>
+                <a:rPr lang="zh-CN" altLang="en-US" dirty="0"/>
+                <a:t>用户</a:t>
+              </a:r>
+            </a:p>
+          </p:txBody>
+        </p:sp>
+        <p:sp>
+          <p:nvSpPr>
+            <p:cNvPr id="3" name="矩形 2">
+              <a:extLst>
+                <a:ext uri="{FF2B5EF4-FFF2-40B4-BE49-F238E27FC236}">
+                  <a16:creationId xmlns:a16="http://schemas.microsoft.com/office/drawing/2014/main" id="{6CE3F285-3EC9-40B7-8A54-6FD2E2139B88}"/>
+                </a:ext>
+              </a:extLst>
+            </p:cNvPr>
+            <p:cNvSpPr/>
+            <p:nvPr/>
+          </p:nvSpPr>
+          <p:spPr>
+            <a:xfrm>
+              <a:off x="4173986" y="1892423"/>
+              <a:ext cx="1136342" cy="443883"/>
+            </a:xfrm>
+            <a:prstGeom prst="rect">
+              <a:avLst/>
+            </a:prstGeom>
+          </p:spPr>
+          <p:style>
+            <a:lnRef idx="2">
+              <a:schemeClr val="dk1"/>
+            </a:lnRef>
+            <a:fillRef idx="1">
+              <a:schemeClr val="lt1"/>
+            </a:fillRef>
+            <a:effectRef idx="0">
+              <a:schemeClr val="dk1"/>
+            </a:effectRef>
+            <a:fontRef idx="minor">
+              <a:schemeClr val="dk1"/>
+            </a:fontRef>
+          </p:style>
+          <p:txBody>
+            <a:bodyPr rtlCol="0" anchor="ctr"/>
+            <a:lstStyle/>
+            <a:p>
+              <a:pPr algn="ctr"/>
+              <a:r>
+                <a:rPr lang="zh-CN" altLang="en-US" dirty="0"/>
+                <a:t>物品</a:t>
+              </a:r>
+            </a:p>
+          </p:txBody>
+        </p:sp>
+        <p:sp>
+          <p:nvSpPr>
+            <p:cNvPr id="4" name="矩形 3">
+              <a:extLst>
+                <a:ext uri="{FF2B5EF4-FFF2-40B4-BE49-F238E27FC236}">
+                  <a16:creationId xmlns:a16="http://schemas.microsoft.com/office/drawing/2014/main" id="{1B2D3384-9558-4C27-9F7C-9A2026585F9C}"/>
+                </a:ext>
+              </a:extLst>
+            </p:cNvPr>
+            <p:cNvSpPr/>
+            <p:nvPr/>
+          </p:nvSpPr>
+          <p:spPr>
+            <a:xfrm>
+              <a:off x="4173986" y="2805343"/>
+              <a:ext cx="1136342" cy="443883"/>
+            </a:xfrm>
+            <a:prstGeom prst="rect">
+              <a:avLst/>
+            </a:prstGeom>
+          </p:spPr>
+          <p:style>
+            <a:lnRef idx="2">
+              <a:schemeClr val="dk1"/>
+            </a:lnRef>
+            <a:fillRef idx="1">
+              <a:schemeClr val="lt1"/>
+            </a:fillRef>
+            <a:effectRef idx="0">
+              <a:schemeClr val="dk1"/>
+            </a:effectRef>
+            <a:fontRef idx="minor">
+              <a:schemeClr val="dk1"/>
+            </a:fontRef>
+          </p:style>
+          <p:txBody>
+            <a:bodyPr rtlCol="0" anchor="ctr"/>
+            <a:lstStyle/>
+            <a:p>
+              <a:pPr algn="ctr"/>
+              <a:r>
+                <a:rPr lang="zh-CN" altLang="en-US" dirty="0"/>
+                <a:t>用户</a:t>
+              </a:r>
+            </a:p>
+          </p:txBody>
+        </p:sp>
+        <p:sp>
+          <p:nvSpPr>
+            <p:cNvPr id="5" name="矩形 4">
+              <a:extLst>
+                <a:ext uri="{FF2B5EF4-FFF2-40B4-BE49-F238E27FC236}">
+                  <a16:creationId xmlns:a16="http://schemas.microsoft.com/office/drawing/2014/main" id="{22056BB7-E997-49B9-A863-108C8607FBF7}"/>
+                </a:ext>
+              </a:extLst>
+            </p:cNvPr>
+            <p:cNvSpPr/>
+            <p:nvPr/>
+          </p:nvSpPr>
+          <p:spPr>
+            <a:xfrm>
+              <a:off x="4173986" y="3718263"/>
+              <a:ext cx="1136342" cy="443883"/>
+            </a:xfrm>
+            <a:prstGeom prst="rect">
+              <a:avLst/>
+            </a:prstGeom>
+          </p:spPr>
+          <p:style>
+            <a:lnRef idx="2">
+              <a:schemeClr val="dk1"/>
+            </a:lnRef>
+            <a:fillRef idx="1">
+              <a:schemeClr val="lt1"/>
+            </a:fillRef>
+            <a:effectRef idx="0">
+              <a:schemeClr val="dk1"/>
+            </a:effectRef>
+            <a:fontRef idx="minor">
+              <a:schemeClr val="dk1"/>
+            </a:fontRef>
+          </p:style>
+          <p:txBody>
+            <a:bodyPr rtlCol="0" anchor="ctr"/>
+            <a:lstStyle/>
+            <a:p>
+              <a:pPr algn="ctr"/>
+              <a:r>
+                <a:rPr lang="zh-CN" altLang="en-US" dirty="0"/>
+                <a:t>特征</a:t>
+              </a:r>
+            </a:p>
+          </p:txBody>
+        </p:sp>
+        <p:sp>
+          <p:nvSpPr>
+            <p:cNvPr id="6" name="矩形 5">
+              <a:extLst>
+                <a:ext uri="{FF2B5EF4-FFF2-40B4-BE49-F238E27FC236}">
+                  <a16:creationId xmlns:a16="http://schemas.microsoft.com/office/drawing/2014/main" id="{A332C19E-7B6C-4BED-AFAE-24FB34427627}"/>
+                </a:ext>
+              </a:extLst>
+            </p:cNvPr>
+            <p:cNvSpPr/>
+            <p:nvPr/>
+          </p:nvSpPr>
+          <p:spPr>
+            <a:xfrm>
+              <a:off x="6368250" y="2805343"/>
+              <a:ext cx="1136342" cy="443883"/>
+            </a:xfrm>
+            <a:prstGeom prst="rect">
+              <a:avLst/>
+            </a:prstGeom>
+          </p:spPr>
+          <p:style>
+            <a:lnRef idx="2">
+              <a:schemeClr val="dk1"/>
+            </a:lnRef>
+            <a:fillRef idx="1">
+              <a:schemeClr val="lt1"/>
+            </a:fillRef>
+            <a:effectRef idx="0">
+              <a:schemeClr val="dk1"/>
+            </a:effectRef>
+            <a:fontRef idx="minor">
+              <a:schemeClr val="dk1"/>
+            </a:fontRef>
+          </p:style>
+          <p:txBody>
+            <a:bodyPr rtlCol="0" anchor="ctr"/>
+            <a:lstStyle/>
+            <a:p>
+              <a:pPr algn="ctr"/>
+              <a:r>
+                <a:rPr lang="zh-CN" altLang="en-US" dirty="0"/>
+                <a:t>物品</a:t>
+              </a:r>
+            </a:p>
+          </p:txBody>
+        </p:sp>
+        <p:cxnSp>
+          <p:nvCxnSpPr>
+            <p:cNvPr id="8" name="直接箭头连接符 7">
+              <a:extLst>
+                <a:ext uri="{FF2B5EF4-FFF2-40B4-BE49-F238E27FC236}">
+                  <a16:creationId xmlns:a16="http://schemas.microsoft.com/office/drawing/2014/main" id="{7DD5DA03-BCC9-48F5-8D03-3B554F828693}"/>
+                </a:ext>
+              </a:extLst>
+            </p:cNvPr>
+            <p:cNvCxnSpPr>
+              <a:stCxn id="2" idx="3"/>
+              <a:endCxn id="4" idx="1"/>
+            </p:cNvCxnSpPr>
+            <p:nvPr/>
+          </p:nvCxnSpPr>
+          <p:spPr>
+            <a:xfrm flipV="1">
+              <a:off x="3116064" y="3027285"/>
+              <a:ext cx="1057922" cy="1"/>
+            </a:xfrm>
+            <a:prstGeom prst="straightConnector1">
+              <a:avLst/>
+            </a:prstGeom>
+            <a:ln>
+              <a:tailEnd type="triangle"/>
+            </a:ln>
+          </p:spPr>
+          <p:style>
+            <a:lnRef idx="1">
+              <a:schemeClr val="dk1"/>
+            </a:lnRef>
+            <a:fillRef idx="0">
+              <a:schemeClr val="dk1"/>
+            </a:fillRef>
+            <a:effectRef idx="0">
+              <a:schemeClr val="dk1"/>
+            </a:effectRef>
+            <a:fontRef idx="minor">
+              <a:schemeClr val="tx1"/>
+            </a:fontRef>
+          </p:style>
+        </p:cxnSp>
+        <p:cxnSp>
+          <p:nvCxnSpPr>
+            <p:cNvPr id="10" name="直接箭头连接符 9">
+              <a:extLst>
+                <a:ext uri="{FF2B5EF4-FFF2-40B4-BE49-F238E27FC236}">
+                  <a16:creationId xmlns:a16="http://schemas.microsoft.com/office/drawing/2014/main" id="{8194F683-C7D5-463A-A58F-1A5FBDFA5D7F}"/>
+                </a:ext>
+              </a:extLst>
+            </p:cNvPr>
+            <p:cNvCxnSpPr>
+              <a:stCxn id="2" idx="3"/>
+              <a:endCxn id="3" idx="1"/>
+            </p:cNvCxnSpPr>
+            <p:nvPr/>
+          </p:nvCxnSpPr>
+          <p:spPr>
+            <a:xfrm flipV="1">
+              <a:off x="3116064" y="2114365"/>
+              <a:ext cx="1057922" cy="912921"/>
+            </a:xfrm>
+            <a:prstGeom prst="straightConnector1">
+              <a:avLst/>
+            </a:prstGeom>
+            <a:ln>
+              <a:tailEnd type="triangle"/>
+            </a:ln>
+          </p:spPr>
+          <p:style>
+            <a:lnRef idx="1">
+              <a:schemeClr val="dk1"/>
+            </a:lnRef>
+            <a:fillRef idx="0">
+              <a:schemeClr val="dk1"/>
+            </a:fillRef>
+            <a:effectRef idx="0">
+              <a:schemeClr val="dk1"/>
+            </a:effectRef>
+            <a:fontRef idx="minor">
+              <a:schemeClr val="tx1"/>
+            </a:fontRef>
+          </p:style>
+        </p:cxnSp>
+        <p:cxnSp>
+          <p:nvCxnSpPr>
+            <p:cNvPr id="12" name="直接箭头连接符 11">
+              <a:extLst>
+                <a:ext uri="{FF2B5EF4-FFF2-40B4-BE49-F238E27FC236}">
+                  <a16:creationId xmlns:a16="http://schemas.microsoft.com/office/drawing/2014/main" id="{D1F78E18-6493-43B7-B492-9B895EE8BBD8}"/>
+                </a:ext>
+              </a:extLst>
+            </p:cNvPr>
+            <p:cNvCxnSpPr>
+              <a:stCxn id="2" idx="3"/>
+              <a:endCxn id="5" idx="1"/>
+            </p:cNvCxnSpPr>
+            <p:nvPr/>
+          </p:nvCxnSpPr>
+          <p:spPr>
+            <a:xfrm>
+              <a:off x="3116064" y="3027286"/>
+              <a:ext cx="1057922" cy="912919"/>
+            </a:xfrm>
+            <a:prstGeom prst="straightConnector1">
+              <a:avLst/>
+            </a:prstGeom>
+            <a:ln>
+              <a:tailEnd type="triangle"/>
+            </a:ln>
+          </p:spPr>
+          <p:style>
+            <a:lnRef idx="1">
+              <a:schemeClr val="dk1"/>
+            </a:lnRef>
+            <a:fillRef idx="0">
+              <a:schemeClr val="dk1"/>
+            </a:fillRef>
+            <a:effectRef idx="0">
+              <a:schemeClr val="dk1"/>
+            </a:effectRef>
+            <a:fontRef idx="minor">
+              <a:schemeClr val="tx1"/>
+            </a:fontRef>
+          </p:style>
+        </p:cxnSp>
+        <p:cxnSp>
+          <p:nvCxnSpPr>
+            <p:cNvPr id="14" name="直接箭头连接符 13">
+              <a:extLst>
+                <a:ext uri="{FF2B5EF4-FFF2-40B4-BE49-F238E27FC236}">
+                  <a16:creationId xmlns:a16="http://schemas.microsoft.com/office/drawing/2014/main" id="{1E93CAE6-C5E2-4EEA-BF94-E31693470381}"/>
+                </a:ext>
+              </a:extLst>
+            </p:cNvPr>
+            <p:cNvCxnSpPr>
+              <a:stCxn id="3" idx="3"/>
+              <a:endCxn id="6" idx="1"/>
+            </p:cNvCxnSpPr>
+            <p:nvPr/>
+          </p:nvCxnSpPr>
+          <p:spPr>
+            <a:xfrm>
+              <a:off x="5310328" y="2114365"/>
+              <a:ext cx="1057922" cy="912920"/>
+            </a:xfrm>
+            <a:prstGeom prst="straightConnector1">
+              <a:avLst/>
+            </a:prstGeom>
+            <a:ln>
+              <a:tailEnd type="triangle"/>
+            </a:ln>
+          </p:spPr>
+          <p:style>
+            <a:lnRef idx="1">
+              <a:schemeClr val="dk1"/>
+            </a:lnRef>
+            <a:fillRef idx="0">
+              <a:schemeClr val="dk1"/>
+            </a:fillRef>
+            <a:effectRef idx="0">
+              <a:schemeClr val="dk1"/>
+            </a:effectRef>
+            <a:fontRef idx="minor">
+              <a:schemeClr val="tx1"/>
+            </a:fontRef>
+          </p:style>
+        </p:cxnSp>
+        <p:cxnSp>
+          <p:nvCxnSpPr>
+            <p:cNvPr id="16" name="直接箭头连接符 15">
+              <a:extLst>
+                <a:ext uri="{FF2B5EF4-FFF2-40B4-BE49-F238E27FC236}">
+                  <a16:creationId xmlns:a16="http://schemas.microsoft.com/office/drawing/2014/main" id="{E5BD088B-29A8-4F4E-BCC4-375C3D422718}"/>
+                </a:ext>
+              </a:extLst>
+            </p:cNvPr>
+            <p:cNvCxnSpPr>
+              <a:stCxn id="4" idx="3"/>
+              <a:endCxn id="6" idx="1"/>
+            </p:cNvCxnSpPr>
+            <p:nvPr/>
+          </p:nvCxnSpPr>
+          <p:spPr>
+            <a:xfrm>
+              <a:off x="5310328" y="3027285"/>
+              <a:ext cx="1057922" cy="0"/>
+            </a:xfrm>
+            <a:prstGeom prst="straightConnector1">
+              <a:avLst/>
+            </a:prstGeom>
+            <a:ln>
+              <a:tailEnd type="triangle"/>
+            </a:ln>
+          </p:spPr>
+          <p:style>
+            <a:lnRef idx="1">
+              <a:schemeClr val="dk1"/>
+            </a:lnRef>
+            <a:fillRef idx="0">
+              <a:schemeClr val="dk1"/>
+            </a:fillRef>
+            <a:effectRef idx="0">
+              <a:schemeClr val="dk1"/>
+            </a:effectRef>
+            <a:fontRef idx="minor">
+              <a:schemeClr val="tx1"/>
+            </a:fontRef>
+          </p:style>
+        </p:cxnSp>
+        <p:cxnSp>
+          <p:nvCxnSpPr>
+            <p:cNvPr id="18" name="直接箭头连接符 17">
+              <a:extLst>
+                <a:ext uri="{FF2B5EF4-FFF2-40B4-BE49-F238E27FC236}">
+                  <a16:creationId xmlns:a16="http://schemas.microsoft.com/office/drawing/2014/main" id="{F9B6E668-F2A7-4DC8-86F0-34FD0FDA693D}"/>
+                </a:ext>
+              </a:extLst>
+            </p:cNvPr>
+            <p:cNvCxnSpPr>
+              <a:stCxn id="5" idx="3"/>
+              <a:endCxn id="6" idx="1"/>
+            </p:cNvCxnSpPr>
+            <p:nvPr/>
+          </p:nvCxnSpPr>
+          <p:spPr>
+            <a:xfrm flipV="1">
+              <a:off x="5310328" y="3027285"/>
+              <a:ext cx="1057922" cy="912920"/>
+            </a:xfrm>
+            <a:prstGeom prst="straightConnector1">
+              <a:avLst/>
+            </a:prstGeom>
+            <a:ln>
+              <a:tailEnd type="triangle"/>
+            </a:ln>
+          </p:spPr>
+          <p:style>
+            <a:lnRef idx="1">
+              <a:schemeClr val="dk1"/>
+            </a:lnRef>
+            <a:fillRef idx="0">
+              <a:schemeClr val="dk1"/>
+            </a:fillRef>
+            <a:effectRef idx="0">
+              <a:schemeClr val="dk1"/>
+            </a:effectRef>
+            <a:fontRef idx="minor">
+              <a:schemeClr val="tx1"/>
+            </a:fontRef>
+          </p:style>
+        </p:cxnSp>
+        <p:sp>
+          <p:nvSpPr>
+            <p:cNvPr id="19" name="文本框 18">
+              <a:extLst>
+                <a:ext uri="{FF2B5EF4-FFF2-40B4-BE49-F238E27FC236}">
+                  <a16:creationId xmlns:a16="http://schemas.microsoft.com/office/drawing/2014/main" id="{8697D23C-3DEB-4375-BB3E-C7E00DCAEF3C}"/>
+                </a:ext>
+              </a:extLst>
+            </p:cNvPr>
+            <p:cNvSpPr txBox="1"/>
+            <p:nvPr/>
+          </p:nvSpPr>
+          <p:spPr>
+            <a:xfrm>
+              <a:off x="3320249" y="2336306"/>
+              <a:ext cx="461638" cy="246221"/>
+            </a:xfrm>
+            <a:prstGeom prst="rect">
+              <a:avLst/>
+            </a:prstGeom>
+            <a:noFill/>
+          </p:spPr>
+          <p:txBody>
+            <a:bodyPr wrap="square" rtlCol="0">
+              <a:spAutoFit/>
+            </a:bodyPr>
+            <a:lstStyle/>
+            <a:p>
+              <a:r>
+                <a:rPr lang="zh-CN" altLang="en-US" sz="1000" dirty="0"/>
+                <a:t>喜欢</a:t>
+              </a:r>
+            </a:p>
+          </p:txBody>
+        </p:sp>
+        <p:sp>
+          <p:nvSpPr>
+            <p:cNvPr id="20" name="文本框 19">
+              <a:extLst>
+                <a:ext uri="{FF2B5EF4-FFF2-40B4-BE49-F238E27FC236}">
+                  <a16:creationId xmlns:a16="http://schemas.microsoft.com/office/drawing/2014/main" id="{09F73A82-489C-4EDE-8AB6-09C42754D0D4}"/>
+                </a:ext>
+              </a:extLst>
+            </p:cNvPr>
+            <p:cNvSpPr txBox="1"/>
+            <p:nvPr/>
+          </p:nvSpPr>
+          <p:spPr>
+            <a:xfrm>
+              <a:off x="3385357" y="2773664"/>
+              <a:ext cx="825621" cy="246221"/>
+            </a:xfrm>
+            <a:prstGeom prst="rect">
+              <a:avLst/>
+            </a:prstGeom>
+            <a:noFill/>
+          </p:spPr>
+          <p:txBody>
+            <a:bodyPr wrap="square" rtlCol="0">
+              <a:spAutoFit/>
+            </a:bodyPr>
+            <a:lstStyle/>
+            <a:p>
+              <a:r>
+                <a:rPr lang="zh-CN" altLang="en-US" sz="1000" dirty="0"/>
+                <a:t>相同爱好</a:t>
+              </a:r>
+            </a:p>
+          </p:txBody>
+        </p:sp>
+        <p:sp>
+          <p:nvSpPr>
+            <p:cNvPr id="21" name="文本框 20">
+              <a:extLst>
+                <a:ext uri="{FF2B5EF4-FFF2-40B4-BE49-F238E27FC236}">
+                  <a16:creationId xmlns:a16="http://schemas.microsoft.com/office/drawing/2014/main" id="{594D42D9-3A72-45AE-A098-2E3A7B1821CA}"/>
+                </a:ext>
+              </a:extLst>
+            </p:cNvPr>
+            <p:cNvSpPr txBox="1"/>
+            <p:nvPr/>
+          </p:nvSpPr>
+          <p:spPr>
+            <a:xfrm>
+              <a:off x="2963668" y="3495447"/>
+              <a:ext cx="843378" cy="246221"/>
+            </a:xfrm>
+            <a:prstGeom prst="rect">
+              <a:avLst/>
+            </a:prstGeom>
+            <a:noFill/>
+          </p:spPr>
+          <p:txBody>
+            <a:bodyPr wrap="square" rtlCol="0">
+              <a:spAutoFit/>
+            </a:bodyPr>
+            <a:lstStyle/>
+            <a:p>
+              <a:r>
+                <a:rPr lang="zh-CN" altLang="en-US" sz="1000" dirty="0"/>
+                <a:t>喜欢，具有</a:t>
+              </a:r>
+            </a:p>
+          </p:txBody>
+        </p:sp>
+        <p:sp>
+          <p:nvSpPr>
+            <p:cNvPr id="22" name="文本框 21">
+              <a:extLst>
+                <a:ext uri="{FF2B5EF4-FFF2-40B4-BE49-F238E27FC236}">
+                  <a16:creationId xmlns:a16="http://schemas.microsoft.com/office/drawing/2014/main" id="{C644A5D3-7560-49DE-BA98-77DC8E1CA98E}"/>
+                </a:ext>
+              </a:extLst>
+            </p:cNvPr>
+            <p:cNvSpPr txBox="1"/>
+            <p:nvPr/>
+          </p:nvSpPr>
+          <p:spPr>
+            <a:xfrm>
+              <a:off x="5726101" y="2305066"/>
+              <a:ext cx="541538" cy="246221"/>
+            </a:xfrm>
+            <a:prstGeom prst="rect">
+              <a:avLst/>
+            </a:prstGeom>
+            <a:noFill/>
+          </p:spPr>
+          <p:txBody>
+            <a:bodyPr wrap="square" rtlCol="0">
+              <a:spAutoFit/>
+            </a:bodyPr>
+            <a:lstStyle/>
+            <a:p>
+              <a:r>
+                <a:rPr lang="zh-CN" altLang="en-US" sz="1000" dirty="0"/>
+                <a:t>相似</a:t>
+              </a:r>
+            </a:p>
+          </p:txBody>
+        </p:sp>
+        <p:sp>
+          <p:nvSpPr>
+            <p:cNvPr id="23" name="文本框 22">
+              <a:extLst>
+                <a:ext uri="{FF2B5EF4-FFF2-40B4-BE49-F238E27FC236}">
+                  <a16:creationId xmlns:a16="http://schemas.microsoft.com/office/drawing/2014/main" id="{9F9E8DFD-E42F-42C1-B194-DCAB023725BB}"/>
+                </a:ext>
+              </a:extLst>
+            </p:cNvPr>
+            <p:cNvSpPr txBox="1"/>
+            <p:nvPr/>
+          </p:nvSpPr>
+          <p:spPr>
+            <a:xfrm>
+              <a:off x="5613648" y="2805342"/>
+              <a:ext cx="529701" cy="246221"/>
+            </a:xfrm>
+            <a:prstGeom prst="rect">
+              <a:avLst/>
+            </a:prstGeom>
+            <a:noFill/>
+          </p:spPr>
+          <p:txBody>
+            <a:bodyPr wrap="square" rtlCol="0">
+              <a:spAutoFit/>
+            </a:bodyPr>
+            <a:lstStyle/>
+            <a:p>
+              <a:r>
+                <a:rPr lang="zh-CN" altLang="en-US" sz="1000" dirty="0"/>
+                <a:t>喜欢</a:t>
+              </a:r>
+            </a:p>
+          </p:txBody>
+        </p:sp>
+        <p:sp>
+          <p:nvSpPr>
+            <p:cNvPr id="24" name="文本框 23">
+              <a:extLst>
+                <a:ext uri="{FF2B5EF4-FFF2-40B4-BE49-F238E27FC236}">
+                  <a16:creationId xmlns:a16="http://schemas.microsoft.com/office/drawing/2014/main" id="{1FCE89B1-69BA-425A-8648-3D10339464C7}"/>
+                </a:ext>
+              </a:extLst>
+            </p:cNvPr>
+            <p:cNvSpPr txBox="1"/>
+            <p:nvPr/>
+          </p:nvSpPr>
+          <p:spPr>
+            <a:xfrm>
+              <a:off x="5746817" y="3527561"/>
+              <a:ext cx="529701" cy="246221"/>
+            </a:xfrm>
+            <a:prstGeom prst="rect">
+              <a:avLst/>
+            </a:prstGeom>
+            <a:noFill/>
+          </p:spPr>
+          <p:txBody>
+            <a:bodyPr wrap="square" rtlCol="0">
+              <a:spAutoFit/>
+            </a:bodyPr>
+            <a:lstStyle/>
+            <a:p>
+              <a:r>
+                <a:rPr lang="zh-CN" altLang="en-US" sz="1000" dirty="0"/>
+                <a:t>包含</a:t>
+              </a:r>
+            </a:p>
+          </p:txBody>
+        </p:sp>
+      </p:grpSp>
     </p:spTree>
     <p:extLst>
       <p:ext uri="{BB962C8B-B14F-4D97-AF65-F5344CB8AC3E}">
@@ -7813,7 +8531,27 @@
       </a:bgFillStyleLst>
     </a:fmtScheme>
   </a:themeElements>
-  <a:objectDefaults/>
+  <a:objectDefaults>
+    <a:lnDef>
+      <a:spPr/>
+      <a:bodyPr/>
+      <a:lstStyle/>
+      <a:style>
+        <a:lnRef idx="1">
+          <a:schemeClr val="dk1"/>
+        </a:lnRef>
+        <a:fillRef idx="0">
+          <a:schemeClr val="dk1"/>
+        </a:fillRef>
+        <a:effectRef idx="0">
+          <a:schemeClr val="dk1"/>
+        </a:effectRef>
+        <a:fontRef idx="minor">
+          <a:schemeClr val="tx1"/>
+        </a:fontRef>
+      </a:style>
+    </a:lnDef>
+  </a:objectDefaults>
   <a:extraClrSchemeLst/>
   <a:extLst>
     <a:ext uri="{05A4C25C-085E-4340-85A3-A5531E510DB2}">
